--- a/ppt/11.회귀분석I.pptx
+++ b/ppt/11.회귀분석I.pptx
@@ -282,7 +282,7 @@
           <a:p>
             <a:fld id="{880EF9C2-1EBB-40DE-88AC-53E7813EF6E9}" type="datetimeFigureOut">
               <a:rPr lang="ko-KR" altLang="en-US" smtClean="0"/>
-              <a:t>2016-06-01</a:t>
+              <a:t>2017-04-28</a:t>
             </a:fld>
             <a:endParaRPr lang="ko-KR" altLang="en-US"/>
           </a:p>
@@ -452,7 +452,7 @@
           <a:p>
             <a:fld id="{880EF9C2-1EBB-40DE-88AC-53E7813EF6E9}" type="datetimeFigureOut">
               <a:rPr lang="ko-KR" altLang="en-US" smtClean="0"/>
-              <a:t>2016-06-01</a:t>
+              <a:t>2017-04-28</a:t>
             </a:fld>
             <a:endParaRPr lang="ko-KR" altLang="en-US"/>
           </a:p>
@@ -632,7 +632,7 @@
           <a:p>
             <a:fld id="{880EF9C2-1EBB-40DE-88AC-53E7813EF6E9}" type="datetimeFigureOut">
               <a:rPr lang="ko-KR" altLang="en-US" smtClean="0"/>
-              <a:t>2016-06-01</a:t>
+              <a:t>2017-04-28</a:t>
             </a:fld>
             <a:endParaRPr lang="ko-KR" altLang="en-US"/>
           </a:p>
@@ -802,7 +802,7 @@
           <a:p>
             <a:fld id="{880EF9C2-1EBB-40DE-88AC-53E7813EF6E9}" type="datetimeFigureOut">
               <a:rPr lang="ko-KR" altLang="en-US" smtClean="0"/>
-              <a:t>2016-06-01</a:t>
+              <a:t>2017-04-28</a:t>
             </a:fld>
             <a:endParaRPr lang="ko-KR" altLang="en-US"/>
           </a:p>
@@ -1048,7 +1048,7 @@
           <a:p>
             <a:fld id="{880EF9C2-1EBB-40DE-88AC-53E7813EF6E9}" type="datetimeFigureOut">
               <a:rPr lang="ko-KR" altLang="en-US" smtClean="0"/>
-              <a:t>2016-06-01</a:t>
+              <a:t>2017-04-28</a:t>
             </a:fld>
             <a:endParaRPr lang="ko-KR" altLang="en-US"/>
           </a:p>
@@ -1280,7 +1280,7 @@
           <a:p>
             <a:fld id="{880EF9C2-1EBB-40DE-88AC-53E7813EF6E9}" type="datetimeFigureOut">
               <a:rPr lang="ko-KR" altLang="en-US" smtClean="0"/>
-              <a:t>2016-06-01</a:t>
+              <a:t>2017-04-28</a:t>
             </a:fld>
             <a:endParaRPr lang="ko-KR" altLang="en-US"/>
           </a:p>
@@ -1647,7 +1647,7 @@
           <a:p>
             <a:fld id="{880EF9C2-1EBB-40DE-88AC-53E7813EF6E9}" type="datetimeFigureOut">
               <a:rPr lang="ko-KR" altLang="en-US" smtClean="0"/>
-              <a:t>2016-06-01</a:t>
+              <a:t>2017-04-28</a:t>
             </a:fld>
             <a:endParaRPr lang="ko-KR" altLang="en-US"/>
           </a:p>
@@ -1765,7 +1765,7 @@
           <a:p>
             <a:fld id="{880EF9C2-1EBB-40DE-88AC-53E7813EF6E9}" type="datetimeFigureOut">
               <a:rPr lang="ko-KR" altLang="en-US" smtClean="0"/>
-              <a:t>2016-06-01</a:t>
+              <a:t>2017-04-28</a:t>
             </a:fld>
             <a:endParaRPr lang="ko-KR" altLang="en-US"/>
           </a:p>
@@ -1860,7 +1860,7 @@
           <a:p>
             <a:fld id="{880EF9C2-1EBB-40DE-88AC-53E7813EF6E9}" type="datetimeFigureOut">
               <a:rPr lang="ko-KR" altLang="en-US" smtClean="0"/>
-              <a:t>2016-06-01</a:t>
+              <a:t>2017-04-28</a:t>
             </a:fld>
             <a:endParaRPr lang="ko-KR" altLang="en-US"/>
           </a:p>
@@ -2137,7 +2137,7 @@
           <a:p>
             <a:fld id="{880EF9C2-1EBB-40DE-88AC-53E7813EF6E9}" type="datetimeFigureOut">
               <a:rPr lang="ko-KR" altLang="en-US" smtClean="0"/>
-              <a:t>2016-06-01</a:t>
+              <a:t>2017-04-28</a:t>
             </a:fld>
             <a:endParaRPr lang="ko-KR" altLang="en-US"/>
           </a:p>
@@ -2390,7 +2390,7 @@
           <a:p>
             <a:fld id="{880EF9C2-1EBB-40DE-88AC-53E7813EF6E9}" type="datetimeFigureOut">
               <a:rPr lang="ko-KR" altLang="en-US" smtClean="0"/>
-              <a:t>2016-06-01</a:t>
+              <a:t>2017-04-28</a:t>
             </a:fld>
             <a:endParaRPr lang="ko-KR" altLang="en-US"/>
           </a:p>
@@ -2603,7 +2603,7 @@
           <a:p>
             <a:fld id="{880EF9C2-1EBB-40DE-88AC-53E7813EF6E9}" type="datetimeFigureOut">
               <a:rPr lang="ko-KR" altLang="en-US" smtClean="0"/>
-              <a:t>2016-06-01</a:t>
+              <a:t>2017-04-28</a:t>
             </a:fld>
             <a:endParaRPr lang="ko-KR" altLang="en-US"/>
           </a:p>
@@ -4037,26 +4037,34 @@
       </mc:AlternateContent>
       <p:pic>
         <p:nvPicPr>
-          <p:cNvPr id="4" name="그림 3"/>
+          <p:cNvPr id="5" name="Picture 4"/>
           <p:cNvPicPr>
-            <a:picLocks noChangeAspect="1"/>
+            <a:picLocks noChangeAspect="1" noChangeArrowheads="1"/>
           </p:cNvPicPr>
           <p:nvPr/>
         </p:nvPicPr>
         <p:blipFill>
-          <a:blip r:embed="rId3"/>
+          <a:blip r:embed="rId3">
+            <a:extLst>
+              <a:ext uri="{28A0092B-C50C-407E-A947-70E740481C1C}">
+                <a14:useLocalDpi xmlns:a14="http://schemas.microsoft.com/office/drawing/2010/main" val="0"/>
+              </a:ext>
+            </a:extLst>
+          </a:blip>
+          <a:srcRect/>
           <a:stretch>
             <a:fillRect/>
           </a:stretch>
         </p:blipFill>
         <p:spPr>
           <a:xfrm>
-            <a:off x="3217079" y="3372962"/>
-            <a:ext cx="6169681" cy="2331722"/>
+            <a:off x="2949146" y="3301828"/>
+            <a:ext cx="7232822" cy="2743290"/>
           </a:xfrm>
           <a:prstGeom prst="rect">
             <a:avLst/>
           </a:prstGeom>
+          <a:ln/>
         </p:spPr>
       </p:pic>
     </p:spTree>
@@ -7860,8 +7868,8 @@
           </a:p>
         </p:txBody>
       </p:sp>
-      <mc:AlternateContent xmlns:mc="http://schemas.openxmlformats.org/markup-compatibility/2006">
-        <mc:Choice xmlns:a14="http://schemas.microsoft.com/office/drawing/2010/main" Requires="a14">
+      <mc:AlternateContent xmlns:mc="http://schemas.openxmlformats.org/markup-compatibility/2006" xmlns:a14="http://schemas.microsoft.com/office/drawing/2010/main">
+        <mc:Choice Requires="a14">
           <p:sp>
             <p:nvSpPr>
               <p:cNvPr id="3" name="내용 개체 틀 2"/>
@@ -8745,7 +8753,7 @@
             </p:txBody>
           </p:sp>
         </mc:Choice>
-        <mc:Fallback>
+        <mc:Fallback xmlns="">
           <p:sp>
             <p:nvSpPr>
               <p:cNvPr id="3" name="내용 개체 틀 2"/>
@@ -17254,8 +17262,8 @@
           </a:p>
         </p:txBody>
       </p:sp>
-      <mc:AlternateContent xmlns:mc="http://schemas.openxmlformats.org/markup-compatibility/2006" xmlns:a14="http://schemas.microsoft.com/office/drawing/2010/main">
-        <mc:Choice Requires="a14">
+      <mc:AlternateContent xmlns:mc="http://schemas.openxmlformats.org/markup-compatibility/2006">
+        <mc:Choice xmlns:a14="http://schemas.microsoft.com/office/drawing/2010/main" Requires="a14">
           <p:sp>
             <p:nvSpPr>
               <p:cNvPr id="3" name="내용 개체 틀 2"/>
@@ -17269,7 +17277,7 @@
             <p:spPr/>
             <p:txBody>
               <a:bodyPr>
-                <a:normAutofit fontScale="92500" lnSpcReduction="10000"/>
+                <a:normAutofit fontScale="92500" lnSpcReduction="20000"/>
               </a:bodyPr>
               <a:lstStyle/>
               <a:p>
@@ -18287,7 +18295,7 @@
             </p:txBody>
           </p:sp>
         </mc:Choice>
-        <mc:Fallback xmlns="">
+        <mc:Fallback>
           <p:sp>
             <p:nvSpPr>
               <p:cNvPr id="3" name="내용 개체 틀 2"/>
@@ -18302,7 +18310,7 @@
               <a:blipFill rotWithShape="0">
                 <a:blip r:embed="rId2"/>
                 <a:stretch>
-                  <a:fillRect l="-464" t="-2101" b="-1401"/>
+                  <a:fillRect l="-464" t="-2661"/>
                 </a:stretch>
               </a:blipFill>
             </p:spPr>
@@ -18974,8 +18982,8 @@
           </p:sp>
         </mc:Fallback>
       </mc:AlternateContent>
-      <mc:AlternateContent xmlns:mc="http://schemas.openxmlformats.org/markup-compatibility/2006" xmlns:a14="http://schemas.microsoft.com/office/drawing/2010/main">
-        <mc:Choice Requires="a14">
+      <mc:AlternateContent xmlns:mc="http://schemas.openxmlformats.org/markup-compatibility/2006">
+        <mc:Choice xmlns:a14="http://schemas.microsoft.com/office/drawing/2010/main" Requires="a14">
           <p:sp>
             <p:nvSpPr>
               <p:cNvPr id="3" name="내용 개체 틀 2"/>
@@ -18988,11 +18996,13 @@
             </p:nvSpPr>
             <p:spPr/>
             <p:txBody>
-              <a:bodyPr/>
+              <a:bodyPr>
+                <a:normAutofit/>
+              </a:bodyPr>
               <a:lstStyle/>
               <a:p>
                 <a:r>
-                  <a:rPr lang="ko-KR" altLang="en-US" dirty="0" smtClean="0"/>
+                  <a:rPr lang="ko-KR" altLang="en-US" sz="2400" dirty="0" smtClean="0"/>
                   <a:t>귀무가설 </a:t>
                 </a:r>
                 <a14:m>
@@ -19000,7 +19010,7 @@
                     <m:sSub>
                       <m:sSubPr>
                         <m:ctrlPr>
-                          <a:rPr lang="en-US" altLang="ko-KR" i="1">
+                          <a:rPr lang="en-US" altLang="ko-KR" sz="2400" i="1">
                             <a:latin typeface="Cambria Math" panose="02040503050406030204" pitchFamily="18" charset="0"/>
                           </a:rPr>
                         </m:ctrlPr>
@@ -19009,14 +19019,14 @@
                         <m:sSub>
                           <m:sSubPr>
                             <m:ctrlPr>
-                              <a:rPr lang="en-US" altLang="ko-KR" i="1">
+                              <a:rPr lang="en-US" altLang="ko-KR" sz="2400" i="1">
                                 <a:latin typeface="Cambria Math" panose="02040503050406030204" pitchFamily="18" charset="0"/>
                               </a:rPr>
                             </m:ctrlPr>
                           </m:sSubPr>
                           <m:e>
                             <m:r>
-                              <a:rPr lang="en-US" altLang="ko-KR" i="1">
+                              <a:rPr lang="en-US" altLang="ko-KR" sz="2400" i="1">
                                 <a:latin typeface="Cambria Math" panose="02040503050406030204" pitchFamily="18" charset="0"/>
                               </a:rPr>
                               <m:t>𝐻</m:t>
@@ -19024,7 +19034,7 @@
                           </m:e>
                           <m:sub>
                             <m:r>
-                              <a:rPr lang="en-US" altLang="ko-KR" i="1">
+                              <a:rPr lang="en-US" altLang="ko-KR" sz="2400" i="1">
                                 <a:latin typeface="Cambria Math" panose="02040503050406030204" pitchFamily="18" charset="0"/>
                               </a:rPr>
                               <m:t>0</m:t>
@@ -19032,13 +19042,13 @@
                           </m:sub>
                         </m:sSub>
                         <m:r>
-                          <a:rPr lang="en-US" altLang="ko-KR" i="1">
+                          <a:rPr lang="en-US" altLang="ko-KR" sz="2400" i="1">
                             <a:latin typeface="Cambria Math" panose="02040503050406030204" pitchFamily="18" charset="0"/>
                           </a:rPr>
                           <m:t>:</m:t>
                         </m:r>
                         <m:r>
-                          <a:rPr lang="en-US" altLang="ko-KR" i="1">
+                          <a:rPr lang="en-US" altLang="ko-KR" sz="2400" i="1">
                             <a:latin typeface="Cambria Math" panose="02040503050406030204" pitchFamily="18" charset="0"/>
                           </a:rPr>
                           <m:t>𝛽</m:t>
@@ -19046,7 +19056,7 @@
                       </m:e>
                       <m:sub>
                         <m:r>
-                          <a:rPr lang="en-US" altLang="ko-KR" i="1">
+                          <a:rPr lang="en-US" altLang="ko-KR" sz="2400" i="1">
                             <a:latin typeface="Cambria Math" panose="02040503050406030204" pitchFamily="18" charset="0"/>
                           </a:rPr>
                           <m:t>1</m:t>
@@ -19054,7 +19064,7 @@
                       </m:sub>
                     </m:sSub>
                     <m:r>
-                      <a:rPr lang="en-US" altLang="ko-KR">
+                      <a:rPr lang="en-US" altLang="ko-KR" sz="2400">
                         <a:latin typeface="Cambria Math" panose="02040503050406030204" pitchFamily="18" charset="0"/>
                       </a:rPr>
                       <m:t>=</m:t>
@@ -19062,14 +19072,14 @@
                     <m:sSub>
                       <m:sSubPr>
                         <m:ctrlPr>
-                          <a:rPr lang="en-US" altLang="ko-KR" b="0" i="1" smtClean="0">
+                          <a:rPr lang="en-US" altLang="ko-KR" sz="2400" b="0" i="1" smtClean="0">
                             <a:latin typeface="Cambria Math" panose="02040503050406030204" pitchFamily="18" charset="0"/>
                           </a:rPr>
                         </m:ctrlPr>
                       </m:sSubPr>
                       <m:e>
                         <m:r>
-                          <a:rPr lang="en-US" altLang="ko-KR" b="0" i="1" smtClean="0">
+                          <a:rPr lang="en-US" altLang="ko-KR" sz="2400" b="0" i="1" smtClean="0">
                             <a:latin typeface="Cambria Math" panose="02040503050406030204" pitchFamily="18" charset="0"/>
                           </a:rPr>
                           <m:t>𝛽</m:t>
@@ -19077,7 +19087,7 @@
                       </m:e>
                       <m:sub>
                         <m:r>
-                          <a:rPr lang="en-US" altLang="ko-KR" b="0" i="1" smtClean="0">
+                          <a:rPr lang="en-US" altLang="ko-KR" sz="2400" b="0" i="1" smtClean="0">
                             <a:latin typeface="Cambria Math" panose="02040503050406030204" pitchFamily="18" charset="0"/>
                           </a:rPr>
                           <m:t>10</m:t>
@@ -19085,7 +19095,7 @@
                       </m:sub>
                     </m:sSub>
                     <m:r>
-                      <a:rPr lang="ko-KR" altLang="en-US" i="1">
+                      <a:rPr lang="ko-KR" altLang="en-US" sz="2400" i="1">
                         <a:latin typeface="Cambria Math" panose="02040503050406030204" pitchFamily="18" charset="0"/>
                       </a:rPr>
                       <m:t>에</m:t>
@@ -19093,26 +19103,33 @@
                   </m:oMath>
                 </a14:m>
                 <a:r>
-                  <a:rPr lang="ko-KR" altLang="en-US" dirty="0" smtClean="0"/>
+                  <a:rPr lang="ko-KR" altLang="en-US" sz="2400" dirty="0" smtClean="0"/>
                   <a:t> 대한 검정은 다음의 통계량에 근거를 둔다</a:t>
                 </a:r>
                 <a:r>
-                  <a:rPr lang="en-US" altLang="ko-KR" dirty="0" smtClean="0"/>
+                  <a:rPr lang="en-US" altLang="ko-KR" sz="2400" dirty="0" smtClean="0"/>
                   <a:t>.</a:t>
                 </a:r>
                 <a:br>
-                  <a:rPr lang="en-US" altLang="ko-KR" dirty="0" smtClean="0"/>
+                  <a:rPr lang="en-US" altLang="ko-KR" sz="2400" dirty="0" smtClean="0"/>
+                </a:br>
+                <a:r>
+                  <a:rPr lang="en-US" altLang="ko-KR" sz="2400" dirty="0" smtClean="0"/>
+                  <a:t/>
+                </a:r>
+                <a:br>
+                  <a:rPr lang="en-US" altLang="ko-KR" sz="2400" dirty="0" smtClean="0"/>
                 </a:br>
                 <a14:m>
                   <m:oMath xmlns:m="http://schemas.openxmlformats.org/officeDocument/2006/math">
                     <m:r>
-                      <a:rPr lang="en-US" altLang="ko-KR" i="1">
+                      <a:rPr lang="en-US" altLang="ko-KR" sz="2400" i="1">
                         <a:latin typeface="Cambria Math" panose="02040503050406030204" pitchFamily="18" charset="0"/>
                       </a:rPr>
                       <m:t>𝑇</m:t>
                     </m:r>
                     <m:r>
-                      <a:rPr lang="en-US" altLang="ko-KR" i="1">
+                      <a:rPr lang="en-US" altLang="ko-KR" sz="2400" i="1">
                         <a:latin typeface="Cambria Math" panose="02040503050406030204" pitchFamily="18" charset="0"/>
                       </a:rPr>
                       <m:t>=</m:t>
@@ -19120,7 +19137,7 @@
                     <m:f>
                       <m:fPr>
                         <m:ctrlPr>
-                          <a:rPr lang="en-US" altLang="ko-KR" i="1">
+                          <a:rPr lang="en-US" altLang="ko-KR" sz="2400" i="1">
                             <a:latin typeface="Cambria Math" panose="02040503050406030204" pitchFamily="18" charset="0"/>
                           </a:rPr>
                         </m:ctrlPr>
@@ -19130,7 +19147,7 @@
                           <m:accPr>
                             <m:chr m:val="̂"/>
                             <m:ctrlPr>
-                              <a:rPr lang="en-US" altLang="ko-KR" i="1">
+                              <a:rPr lang="en-US" altLang="ko-KR" sz="2400" i="1">
                                 <a:latin typeface="Cambria Math" panose="02040503050406030204" pitchFamily="18" charset="0"/>
                               </a:rPr>
                             </m:ctrlPr>
@@ -19139,14 +19156,14 @@
                             <m:sSub>
                               <m:sSubPr>
                                 <m:ctrlPr>
-                                  <a:rPr lang="en-US" altLang="ko-KR" i="1">
+                                  <a:rPr lang="en-US" altLang="ko-KR" sz="2400" i="1">
                                     <a:latin typeface="Cambria Math" panose="02040503050406030204" pitchFamily="18" charset="0"/>
                                   </a:rPr>
                                 </m:ctrlPr>
                               </m:sSubPr>
                               <m:e>
                                 <m:r>
-                                  <a:rPr lang="en-US" altLang="ko-KR" i="1">
+                                  <a:rPr lang="en-US" altLang="ko-KR" sz="2400" i="1">
                                     <a:latin typeface="Cambria Math" panose="02040503050406030204" pitchFamily="18" charset="0"/>
                                   </a:rPr>
                                   <m:t>𝛽</m:t>
@@ -19154,7 +19171,7 @@
                               </m:e>
                               <m:sub>
                                 <m:r>
-                                  <a:rPr lang="en-US" altLang="ko-KR" i="1">
+                                  <a:rPr lang="en-US" altLang="ko-KR" sz="2400" i="1">
                                     <a:latin typeface="Cambria Math" panose="02040503050406030204" pitchFamily="18" charset="0"/>
                                   </a:rPr>
                                   <m:t>1</m:t>
@@ -19164,7 +19181,7 @@
                           </m:e>
                         </m:acc>
                         <m:r>
-                          <a:rPr lang="en-US" altLang="ko-KR" b="0" i="1" smtClean="0">
+                          <a:rPr lang="en-US" altLang="ko-KR" sz="2400" b="0" i="1" smtClean="0">
                             <a:latin typeface="Cambria Math" panose="02040503050406030204" pitchFamily="18" charset="0"/>
                           </a:rPr>
                           <m:t>−</m:t>
@@ -19172,14 +19189,14 @@
                         <m:sSub>
                           <m:sSubPr>
                             <m:ctrlPr>
-                              <a:rPr lang="en-US" altLang="ko-KR" b="0" i="1" smtClean="0">
+                              <a:rPr lang="en-US" altLang="ko-KR" sz="2400" b="0" i="1" smtClean="0">
                                 <a:latin typeface="Cambria Math" panose="02040503050406030204" pitchFamily="18" charset="0"/>
                               </a:rPr>
                             </m:ctrlPr>
                           </m:sSubPr>
                           <m:e>
                             <m:r>
-                              <a:rPr lang="en-US" altLang="ko-KR" b="0" i="1" smtClean="0">
+                              <a:rPr lang="en-US" altLang="ko-KR" sz="2400" b="0" i="1" smtClean="0">
                                 <a:latin typeface="Cambria Math" panose="02040503050406030204" pitchFamily="18" charset="0"/>
                               </a:rPr>
                               <m:t>𝛽</m:t>
@@ -19187,7 +19204,7 @@
                           </m:e>
                           <m:sub>
                             <m:r>
-                              <a:rPr lang="en-US" altLang="ko-KR" b="0" i="1" smtClean="0">
+                              <a:rPr lang="en-US" altLang="ko-KR" sz="2400" b="0" i="1" smtClean="0">
                                 <a:latin typeface="Cambria Math" panose="02040503050406030204" pitchFamily="18" charset="0"/>
                               </a:rPr>
                               <m:t>10</m:t>
@@ -19197,13 +19214,13 @@
                       </m:num>
                       <m:den>
                         <m:r>
-                          <a:rPr lang="en-US" altLang="ko-KR" i="1">
+                          <a:rPr lang="en-US" altLang="ko-KR" sz="2400" i="1">
                             <a:latin typeface="Cambria Math" panose="02040503050406030204" pitchFamily="18" charset="0"/>
                           </a:rPr>
                           <m:t>𝑆</m:t>
                         </m:r>
                         <m:r>
-                          <a:rPr lang="en-US" altLang="ko-KR" i="1">
+                          <a:rPr lang="en-US" altLang="ko-KR" sz="2400" i="1">
                             <a:latin typeface="Cambria Math" panose="02040503050406030204" pitchFamily="18" charset="0"/>
                           </a:rPr>
                           <m:t>/</m:t>
@@ -19212,7 +19229,7 @@
                           <m:radPr>
                             <m:degHide m:val="on"/>
                             <m:ctrlPr>
-                              <a:rPr lang="en-US" altLang="ko-KR" i="1">
+                              <a:rPr lang="en-US" altLang="ko-KR" sz="2400" i="1">
                                 <a:latin typeface="Cambria Math" panose="02040503050406030204" pitchFamily="18" charset="0"/>
                               </a:rPr>
                             </m:ctrlPr>
@@ -19222,14 +19239,14 @@
                             <m:sSub>
                               <m:sSubPr>
                                 <m:ctrlPr>
-                                  <a:rPr lang="en-US" altLang="ko-KR" i="1">
+                                  <a:rPr lang="en-US" altLang="ko-KR" sz="2400" i="1">
                                     <a:latin typeface="Cambria Math" panose="02040503050406030204" pitchFamily="18" charset="0"/>
                                   </a:rPr>
                                 </m:ctrlPr>
                               </m:sSubPr>
                               <m:e>
                                 <m:r>
-                                  <a:rPr lang="en-US" altLang="ko-KR" i="1">
+                                  <a:rPr lang="en-US" altLang="ko-KR" sz="2400" i="1">
                                     <a:latin typeface="Cambria Math" panose="02040503050406030204" pitchFamily="18" charset="0"/>
                                   </a:rPr>
                                   <m:t>𝑆</m:t>
@@ -19237,7 +19254,7 @@
                               </m:e>
                               <m:sub>
                                 <m:r>
-                                  <a:rPr lang="en-US" altLang="ko-KR" i="1">
+                                  <a:rPr lang="en-US" altLang="ko-KR" sz="2400" i="1">
                                     <a:latin typeface="Cambria Math" panose="02040503050406030204" pitchFamily="18" charset="0"/>
                                   </a:rPr>
                                   <m:t>𝑥𝑥</m:t>
@@ -19249,7 +19266,7 @@
                       </m:den>
                     </m:f>
                     <m:r>
-                      <a:rPr lang="en-US" altLang="ko-KR" i="1">
+                      <a:rPr lang="en-US" altLang="ko-KR" sz="2400" i="1">
                         <a:latin typeface="Cambria Math" panose="02040503050406030204" pitchFamily="18" charset="0"/>
                       </a:rPr>
                       <m:t>             </m:t>
@@ -19258,7 +19275,7 @@
                       <m:rPr>
                         <m:nor/>
                       </m:rPr>
-                      <a:rPr lang="en-US" altLang="ko-KR">
+                      <a:rPr lang="en-US" altLang="ko-KR" sz="2400">
                         <a:latin typeface="Cambria Math" panose="02040503050406030204" pitchFamily="18" charset="0"/>
                       </a:rPr>
                       <m:t>d</m:t>
@@ -19267,7 +19284,7 @@
                       <m:rPr>
                         <m:nor/>
                       </m:rPr>
-                      <a:rPr lang="en-US" altLang="ko-KR">
+                      <a:rPr lang="en-US" altLang="ko-KR" sz="2400">
                         <a:latin typeface="Cambria Math" panose="02040503050406030204" pitchFamily="18" charset="0"/>
                       </a:rPr>
                       <m:t>.</m:t>
@@ -19276,7 +19293,7 @@
                       <m:rPr>
                         <m:nor/>
                       </m:rPr>
-                      <a:rPr lang="en-US" altLang="ko-KR">
+                      <a:rPr lang="en-US" altLang="ko-KR" sz="2400">
                         <a:latin typeface="Cambria Math" panose="02040503050406030204" pitchFamily="18" charset="0"/>
                       </a:rPr>
                       <m:t>f</m:t>
@@ -19285,32 +19302,37 @@
                       <m:rPr>
                         <m:nor/>
                       </m:rPr>
-                      <a:rPr lang="en-US" altLang="ko-KR">
+                      <a:rPr lang="en-US" altLang="ko-KR" sz="2400">
                         <a:latin typeface="Cambria Math" panose="02040503050406030204" pitchFamily="18" charset="0"/>
                       </a:rPr>
                       <m:t>.</m:t>
                     </m:r>
                     <m:r>
-                      <a:rPr lang="en-US" altLang="ko-KR" i="1">
+                      <a:rPr lang="en-US" altLang="ko-KR" sz="2400" i="1">
                         <a:latin typeface="Cambria Math" panose="02040503050406030204" pitchFamily="18" charset="0"/>
                       </a:rPr>
                       <m:t>=</m:t>
                     </m:r>
                     <m:r>
-                      <a:rPr lang="en-US" altLang="ko-KR" i="1">
+                      <a:rPr lang="en-US" altLang="ko-KR" sz="2400" i="1">
                         <a:latin typeface="Cambria Math" panose="02040503050406030204" pitchFamily="18" charset="0"/>
                       </a:rPr>
                       <m:t>𝑛</m:t>
                     </m:r>
                     <m:r>
-                      <a:rPr lang="en-US" altLang="ko-KR" i="1">
+                      <a:rPr lang="en-US" altLang="ko-KR" sz="2400" i="1">
                         <a:latin typeface="Cambria Math" panose="02040503050406030204" pitchFamily="18" charset="0"/>
                       </a:rPr>
                       <m:t>−2</m:t>
                     </m:r>
                   </m:oMath>
                 </a14:m>
-                <a:endParaRPr lang="ko-KR" altLang="en-US" dirty="0"/>
+                <a:endParaRPr lang="ko-KR" altLang="en-US" sz="2400" dirty="0"/>
+              </a:p>
+              <a:p>
+                <a:endParaRPr lang="en-US" altLang="ko-KR" sz="2400" b="1" i="1" dirty="0">
+                  <a:latin typeface="Cambria Math" panose="02040503050406030204" pitchFamily="18" charset="0"/>
+                </a:endParaRPr>
               </a:p>
               <a:p>
                 <a14:m>
@@ -19318,14 +19340,14 @@
                     <m:sSub>
                       <m:sSubPr>
                         <m:ctrlPr>
-                          <a:rPr lang="en-US" altLang="ko-KR" b="1" i="1">
+                          <a:rPr lang="en-US" altLang="ko-KR" sz="2400" b="1" i="1" smtClean="0">
                             <a:latin typeface="Cambria Math" panose="02040503050406030204" pitchFamily="18" charset="0"/>
                           </a:rPr>
                         </m:ctrlPr>
                       </m:sSubPr>
                       <m:e>
                         <m:r>
-                          <a:rPr lang="en-US" altLang="ko-KR" b="1" i="1">
+                          <a:rPr lang="en-US" altLang="ko-KR" sz="2400" b="1" i="1">
                             <a:latin typeface="Cambria Math" panose="02040503050406030204" pitchFamily="18" charset="0"/>
                           </a:rPr>
                           <m:t>𝜷</m:t>
@@ -19333,7 +19355,7 @@
                       </m:e>
                       <m:sub>
                         <m:r>
-                          <a:rPr lang="en-US" altLang="ko-KR" b="1" i="1">
+                          <a:rPr lang="en-US" altLang="ko-KR" sz="2400" b="1" i="1">
                             <a:latin typeface="Cambria Math" panose="02040503050406030204" pitchFamily="18" charset="0"/>
                           </a:rPr>
                           <m:t>𝟏</m:t>
@@ -19341,7 +19363,7 @@
                       </m:sub>
                     </m:sSub>
                     <m:r>
-                      <a:rPr lang="ko-KR" altLang="en-US" b="1" i="1">
+                      <a:rPr lang="ko-KR" altLang="en-US" sz="2400" b="1" i="1">
                         <a:latin typeface="Cambria Math" panose="02040503050406030204" pitchFamily="18" charset="0"/>
                       </a:rPr>
                       <m:t>에</m:t>
@@ -19349,13 +19371,13 @@
                   </m:oMath>
                 </a14:m>
                 <a:r>
-                  <a:rPr lang="ko-KR" altLang="en-US" b="1" dirty="0" smtClean="0"/>
+                  <a:rPr lang="ko-KR" altLang="en-US" sz="2400" b="1" dirty="0" smtClean="0"/>
                   <a:t> 대한 </a:t>
                 </a:r>
                 <a14:m>
                   <m:oMath xmlns:m="http://schemas.openxmlformats.org/officeDocument/2006/math">
                     <m:r>
-                      <a:rPr lang="en-US" altLang="ko-KR" b="1" i="1" smtClean="0">
+                      <a:rPr lang="en-US" altLang="ko-KR" sz="2400" b="1" i="1" smtClean="0">
                         <a:latin typeface="Cambria Math" panose="02040503050406030204" pitchFamily="18" charset="0"/>
                       </a:rPr>
                       <m:t>𝟏𝟎𝟎</m:t>
@@ -19363,26 +19385,26 @@
                     <m:d>
                       <m:dPr>
                         <m:ctrlPr>
-                          <a:rPr lang="en-US" altLang="ko-KR" b="1" i="1" smtClean="0">
+                          <a:rPr lang="en-US" altLang="ko-KR" sz="2400" b="1" i="1" smtClean="0">
                             <a:latin typeface="Cambria Math" panose="02040503050406030204" pitchFamily="18" charset="0"/>
                           </a:rPr>
                         </m:ctrlPr>
                       </m:dPr>
                       <m:e>
                         <m:r>
-                          <a:rPr lang="en-US" altLang="ko-KR" b="1" i="1" smtClean="0">
+                          <a:rPr lang="en-US" altLang="ko-KR" sz="2400" b="1" i="1" smtClean="0">
                             <a:latin typeface="Cambria Math" panose="02040503050406030204" pitchFamily="18" charset="0"/>
                           </a:rPr>
                           <m:t>𝟏</m:t>
                         </m:r>
                         <m:r>
-                          <a:rPr lang="en-US" altLang="ko-KR" b="1" i="1" smtClean="0">
+                          <a:rPr lang="en-US" altLang="ko-KR" sz="2400" b="1" i="1" smtClean="0">
                             <a:latin typeface="Cambria Math" panose="02040503050406030204" pitchFamily="18" charset="0"/>
                           </a:rPr>
                           <m:t>−</m:t>
                         </m:r>
                         <m:r>
-                          <a:rPr lang="en-US" altLang="ko-KR" b="1" i="1" smtClean="0">
+                          <a:rPr lang="en-US" altLang="ko-KR" sz="2400" b="1" i="1" smtClean="0">
                             <a:latin typeface="Cambria Math" panose="02040503050406030204" pitchFamily="18" charset="0"/>
                           </a:rPr>
                           <m:t>𝜶</m:t>
@@ -19390,7 +19412,7 @@
                       </m:e>
                     </m:d>
                     <m:r>
-                      <a:rPr lang="en-US" altLang="ko-KR" b="1" i="1" smtClean="0">
+                      <a:rPr lang="en-US" altLang="ko-KR" sz="2400" b="1" i="1" smtClean="0">
                         <a:latin typeface="Cambria Math" panose="02040503050406030204" pitchFamily="18" charset="0"/>
                       </a:rPr>
                       <m:t>%</m:t>
@@ -19398,26 +19420,26 @@
                   </m:oMath>
                 </a14:m>
                 <a:r>
-                  <a:rPr lang="ko-KR" altLang="en-US" b="1" dirty="0" smtClean="0"/>
+                  <a:rPr lang="ko-KR" altLang="en-US" sz="2400" b="1" dirty="0" smtClean="0"/>
                   <a:t> 신뢰구간</a:t>
                 </a:r>
                 <a:r>
-                  <a:rPr lang="ko-KR" altLang="en-US" dirty="0" smtClean="0"/>
+                  <a:rPr lang="ko-KR" altLang="en-US" sz="2400" dirty="0" smtClean="0"/>
                   <a:t>은 다음과 같다</a:t>
                 </a:r>
                 <a:r>
-                  <a:rPr lang="en-US" altLang="ko-KR" dirty="0" smtClean="0"/>
+                  <a:rPr lang="en-US" altLang="ko-KR" sz="2400" dirty="0" smtClean="0"/>
                   <a:t>.</a:t>
                 </a:r>
                 <a:br>
-                  <a:rPr lang="en-US" altLang="ko-KR" dirty="0" smtClean="0"/>
+                  <a:rPr lang="en-US" altLang="ko-KR" sz="2400" dirty="0" smtClean="0"/>
                 </a:br>
                 <a14:m>
                   <m:oMath xmlns:m="http://schemas.openxmlformats.org/officeDocument/2006/math">
                     <m:d>
                       <m:dPr>
                         <m:ctrlPr>
-                          <a:rPr lang="en-US" altLang="ko-KR" b="0" i="1" smtClean="0">
+                          <a:rPr lang="en-US" altLang="ko-KR" sz="2400" b="0" i="1" smtClean="0">
                             <a:latin typeface="Cambria Math" panose="02040503050406030204" pitchFamily="18" charset="0"/>
                           </a:rPr>
                         </m:ctrlPr>
@@ -19427,7 +19449,7 @@
                           <m:accPr>
                             <m:chr m:val="̂"/>
                             <m:ctrlPr>
-                              <a:rPr lang="en-US" altLang="ko-KR" i="1">
+                              <a:rPr lang="en-US" altLang="ko-KR" sz="2400" i="1">
                                 <a:latin typeface="Cambria Math" panose="02040503050406030204" pitchFamily="18" charset="0"/>
                               </a:rPr>
                             </m:ctrlPr>
@@ -19436,14 +19458,14 @@
                             <m:sSub>
                               <m:sSubPr>
                                 <m:ctrlPr>
-                                  <a:rPr lang="en-US" altLang="ko-KR" i="1">
+                                  <a:rPr lang="en-US" altLang="ko-KR" sz="2400" i="1">
                                     <a:latin typeface="Cambria Math" panose="02040503050406030204" pitchFamily="18" charset="0"/>
                                   </a:rPr>
                                 </m:ctrlPr>
                               </m:sSubPr>
                               <m:e>
                                 <m:r>
-                                  <a:rPr lang="en-US" altLang="ko-KR" i="1">
+                                  <a:rPr lang="en-US" altLang="ko-KR" sz="2400" i="1">
                                     <a:latin typeface="Cambria Math" panose="02040503050406030204" pitchFamily="18" charset="0"/>
                                   </a:rPr>
                                   <m:t>𝛽</m:t>
@@ -19451,7 +19473,7 @@
                               </m:e>
                               <m:sub>
                                 <m:r>
-                                  <a:rPr lang="en-US" altLang="ko-KR" i="1">
+                                  <a:rPr lang="en-US" altLang="ko-KR" sz="2400" i="1">
                                     <a:latin typeface="Cambria Math" panose="02040503050406030204" pitchFamily="18" charset="0"/>
                                   </a:rPr>
                                   <m:t>1</m:t>
@@ -19461,7 +19483,7 @@
                           </m:e>
                         </m:acc>
                         <m:r>
-                          <a:rPr lang="en-US" altLang="ko-KR" i="1">
+                          <a:rPr lang="en-US" altLang="ko-KR" sz="2400" i="1">
                             <a:latin typeface="Cambria Math" panose="02040503050406030204" pitchFamily="18" charset="0"/>
                           </a:rPr>
                           <m:t>−</m:t>
@@ -19469,14 +19491,14 @@
                         <m:sSub>
                           <m:sSubPr>
                             <m:ctrlPr>
-                              <a:rPr lang="en-US" altLang="ko-KR" b="0" i="1" smtClean="0">
+                              <a:rPr lang="en-US" altLang="ko-KR" sz="2400" b="0" i="1" smtClean="0">
                                 <a:latin typeface="Cambria Math" panose="02040503050406030204" pitchFamily="18" charset="0"/>
                               </a:rPr>
                             </m:ctrlPr>
                           </m:sSubPr>
                           <m:e>
                             <m:r>
-                              <a:rPr lang="en-US" altLang="ko-KR" b="0" i="1" smtClean="0">
+                              <a:rPr lang="en-US" altLang="ko-KR" sz="2400" b="0" i="1" smtClean="0">
                                 <a:latin typeface="Cambria Math" panose="02040503050406030204" pitchFamily="18" charset="0"/>
                               </a:rPr>
                               <m:t>𝑡</m:t>
@@ -19487,14 +19509,14 @@
                               <m:fPr>
                                 <m:type m:val="lin"/>
                                 <m:ctrlPr>
-                                  <a:rPr lang="en-US" altLang="ko-KR" b="0" i="1" smtClean="0">
+                                  <a:rPr lang="en-US" altLang="ko-KR" sz="2400" b="0" i="1" smtClean="0">
                                     <a:latin typeface="Cambria Math" panose="02040503050406030204" pitchFamily="18" charset="0"/>
                                   </a:rPr>
                                 </m:ctrlPr>
                               </m:fPr>
                               <m:num>
                                 <m:r>
-                                  <a:rPr lang="en-US" altLang="ko-KR" b="0" i="1" smtClean="0">
+                                  <a:rPr lang="en-US" altLang="ko-KR" sz="2400" b="0" i="1" smtClean="0">
                                     <a:latin typeface="Cambria Math" panose="02040503050406030204" pitchFamily="18" charset="0"/>
                                   </a:rPr>
                                   <m:t>𝛼</m:t>
@@ -19502,7 +19524,7 @@
                               </m:num>
                               <m:den>
                                 <m:r>
-                                  <a:rPr lang="en-US" altLang="ko-KR" b="0" i="1" smtClean="0">
+                                  <a:rPr lang="en-US" altLang="ko-KR" sz="2400" b="0" i="1" smtClean="0">
                                     <a:latin typeface="Cambria Math" panose="02040503050406030204" pitchFamily="18" charset="0"/>
                                   </a:rPr>
                                   <m:t>2</m:t>
@@ -19514,14 +19536,14 @@
                         <m:f>
                           <m:fPr>
                             <m:ctrlPr>
-                              <a:rPr lang="en-US" altLang="ko-KR" b="0" i="1" smtClean="0">
+                              <a:rPr lang="en-US" altLang="ko-KR" sz="2400" b="0" i="1" smtClean="0">
                                 <a:latin typeface="Cambria Math" panose="02040503050406030204" pitchFamily="18" charset="0"/>
                               </a:rPr>
                             </m:ctrlPr>
                           </m:fPr>
                           <m:num>
                             <m:r>
-                              <a:rPr lang="en-US" altLang="ko-KR" b="0" i="1" smtClean="0">
+                              <a:rPr lang="en-US" altLang="ko-KR" sz="2400" b="0" i="1" smtClean="0">
                                 <a:latin typeface="Cambria Math" panose="02040503050406030204" pitchFamily="18" charset="0"/>
                               </a:rPr>
                               <m:t>𝑆</m:t>
@@ -19532,7 +19554,7 @@
                               <m:radPr>
                                 <m:degHide m:val="on"/>
                                 <m:ctrlPr>
-                                  <a:rPr lang="en-US" altLang="ko-KR" b="0" i="1" smtClean="0">
+                                  <a:rPr lang="en-US" altLang="ko-KR" sz="2400" b="0" i="1" smtClean="0">
                                     <a:latin typeface="Cambria Math" panose="02040503050406030204" pitchFamily="18" charset="0"/>
                                   </a:rPr>
                                 </m:ctrlPr>
@@ -19542,14 +19564,14 @@
                                 <m:sSub>
                                   <m:sSubPr>
                                     <m:ctrlPr>
-                                      <a:rPr lang="en-US" altLang="ko-KR" b="0" i="1" smtClean="0">
+                                      <a:rPr lang="en-US" altLang="ko-KR" sz="2400" b="0" i="1" smtClean="0">
                                         <a:latin typeface="Cambria Math" panose="02040503050406030204" pitchFamily="18" charset="0"/>
                                       </a:rPr>
                                     </m:ctrlPr>
                                   </m:sSubPr>
                                   <m:e>
                                     <m:r>
-                                      <a:rPr lang="en-US" altLang="ko-KR" b="0" i="1" smtClean="0">
+                                      <a:rPr lang="en-US" altLang="ko-KR" sz="2400" b="0" i="1" smtClean="0">
                                         <a:latin typeface="Cambria Math" panose="02040503050406030204" pitchFamily="18" charset="0"/>
                                       </a:rPr>
                                       <m:t>𝑆</m:t>
@@ -19557,7 +19579,7 @@
                                   </m:e>
                                   <m:sub>
                                     <m:r>
-                                      <a:rPr lang="en-US" altLang="ko-KR" b="0" i="1" smtClean="0">
+                                      <a:rPr lang="en-US" altLang="ko-KR" sz="2400" b="0" i="1" smtClean="0">
                                         <a:latin typeface="Cambria Math" panose="02040503050406030204" pitchFamily="18" charset="0"/>
                                       </a:rPr>
                                       <m:t>𝑥𝑥</m:t>
@@ -19569,7 +19591,7 @@
                           </m:den>
                         </m:f>
                         <m:r>
-                          <a:rPr lang="en-US" altLang="ko-KR" b="0" i="1" smtClean="0">
+                          <a:rPr lang="en-US" altLang="ko-KR" sz="2400" b="0" i="1" smtClean="0">
                             <a:latin typeface="Cambria Math" panose="02040503050406030204" pitchFamily="18" charset="0"/>
                           </a:rPr>
                           <m:t>,  </m:t>
@@ -19578,7 +19600,7 @@
                           <m:accPr>
                             <m:chr m:val="̂"/>
                             <m:ctrlPr>
-                              <a:rPr lang="en-US" altLang="ko-KR" i="1">
+                              <a:rPr lang="en-US" altLang="ko-KR" sz="2400" i="1">
                                 <a:latin typeface="Cambria Math" panose="02040503050406030204" pitchFamily="18" charset="0"/>
                               </a:rPr>
                             </m:ctrlPr>
@@ -19587,14 +19609,14 @@
                             <m:sSub>
                               <m:sSubPr>
                                 <m:ctrlPr>
-                                  <a:rPr lang="en-US" altLang="ko-KR" i="1">
+                                  <a:rPr lang="en-US" altLang="ko-KR" sz="2400" i="1">
                                     <a:latin typeface="Cambria Math" panose="02040503050406030204" pitchFamily="18" charset="0"/>
                                   </a:rPr>
                                 </m:ctrlPr>
                               </m:sSubPr>
                               <m:e>
                                 <m:r>
-                                  <a:rPr lang="en-US" altLang="ko-KR" i="1">
+                                  <a:rPr lang="en-US" altLang="ko-KR" sz="2400" i="1">
                                     <a:latin typeface="Cambria Math" panose="02040503050406030204" pitchFamily="18" charset="0"/>
                                   </a:rPr>
                                   <m:t>𝛽</m:t>
@@ -19602,7 +19624,7 @@
                               </m:e>
                               <m:sub>
                                 <m:r>
-                                  <a:rPr lang="en-US" altLang="ko-KR" i="1">
+                                  <a:rPr lang="en-US" altLang="ko-KR" sz="2400" i="1">
                                     <a:latin typeface="Cambria Math" panose="02040503050406030204" pitchFamily="18" charset="0"/>
                                   </a:rPr>
                                   <m:t>1</m:t>
@@ -19612,7 +19634,7 @@
                           </m:e>
                         </m:acc>
                         <m:r>
-                          <a:rPr lang="en-US" altLang="ko-KR" b="0" i="1" smtClean="0">
+                          <a:rPr lang="en-US" altLang="ko-KR" sz="2400" b="0" i="1" smtClean="0">
                             <a:latin typeface="Cambria Math" panose="02040503050406030204" pitchFamily="18" charset="0"/>
                           </a:rPr>
                           <m:t>+</m:t>
@@ -19620,14 +19642,14 @@
                         <m:sSub>
                           <m:sSubPr>
                             <m:ctrlPr>
-                              <a:rPr lang="en-US" altLang="ko-KR" i="1">
+                              <a:rPr lang="en-US" altLang="ko-KR" sz="2400" i="1">
                                 <a:latin typeface="Cambria Math" panose="02040503050406030204" pitchFamily="18" charset="0"/>
                               </a:rPr>
                             </m:ctrlPr>
                           </m:sSubPr>
                           <m:e>
                             <m:r>
-                              <a:rPr lang="en-US" altLang="ko-KR" i="1">
+                              <a:rPr lang="en-US" altLang="ko-KR" sz="2400" i="1">
                                 <a:latin typeface="Cambria Math" panose="02040503050406030204" pitchFamily="18" charset="0"/>
                               </a:rPr>
                               <m:t>𝑡</m:t>
@@ -19638,14 +19660,14 @@
                               <m:fPr>
                                 <m:type m:val="lin"/>
                                 <m:ctrlPr>
-                                  <a:rPr lang="en-US" altLang="ko-KR" i="1" smtClean="0">
+                                  <a:rPr lang="en-US" altLang="ko-KR" sz="2400" i="1" smtClean="0">
                                     <a:latin typeface="Cambria Math" panose="02040503050406030204" pitchFamily="18" charset="0"/>
                                   </a:rPr>
                                 </m:ctrlPr>
                               </m:fPr>
                               <m:num>
                                 <m:r>
-                                  <a:rPr lang="en-US" altLang="ko-KR" b="0" i="1" smtClean="0">
+                                  <a:rPr lang="en-US" altLang="ko-KR" sz="2400" b="0" i="1" smtClean="0">
                                     <a:latin typeface="Cambria Math" panose="02040503050406030204" pitchFamily="18" charset="0"/>
                                   </a:rPr>
                                   <m:t>𝛼</m:t>
@@ -19653,7 +19675,7 @@
                               </m:num>
                               <m:den>
                                 <m:r>
-                                  <a:rPr lang="en-US" altLang="ko-KR" b="0" i="1" smtClean="0">
+                                  <a:rPr lang="en-US" altLang="ko-KR" sz="2400" b="0" i="1" smtClean="0">
                                     <a:latin typeface="Cambria Math" panose="02040503050406030204" pitchFamily="18" charset="0"/>
                                   </a:rPr>
                                   <m:t>2</m:t>
@@ -19665,14 +19687,14 @@
                         <m:f>
                           <m:fPr>
                             <m:ctrlPr>
-                              <a:rPr lang="en-US" altLang="ko-KR" i="1">
+                              <a:rPr lang="en-US" altLang="ko-KR" sz="2400" i="1">
                                 <a:latin typeface="Cambria Math" panose="02040503050406030204" pitchFamily="18" charset="0"/>
                               </a:rPr>
                             </m:ctrlPr>
                           </m:fPr>
                           <m:num>
                             <m:r>
-                              <a:rPr lang="en-US" altLang="ko-KR" i="1">
+                              <a:rPr lang="en-US" altLang="ko-KR" sz="2400" i="1">
                                 <a:latin typeface="Cambria Math" panose="02040503050406030204" pitchFamily="18" charset="0"/>
                               </a:rPr>
                               <m:t>𝑆</m:t>
@@ -19683,7 +19705,7 @@
                               <m:radPr>
                                 <m:degHide m:val="on"/>
                                 <m:ctrlPr>
-                                  <a:rPr lang="en-US" altLang="ko-KR" i="1">
+                                  <a:rPr lang="en-US" altLang="ko-KR" sz="2400" i="1">
                                     <a:latin typeface="Cambria Math" panose="02040503050406030204" pitchFamily="18" charset="0"/>
                                   </a:rPr>
                                 </m:ctrlPr>
@@ -19693,14 +19715,14 @@
                                 <m:sSub>
                                   <m:sSubPr>
                                     <m:ctrlPr>
-                                      <a:rPr lang="en-US" altLang="ko-KR" i="1">
+                                      <a:rPr lang="en-US" altLang="ko-KR" sz="2400" i="1">
                                         <a:latin typeface="Cambria Math" panose="02040503050406030204" pitchFamily="18" charset="0"/>
                                       </a:rPr>
                                     </m:ctrlPr>
                                   </m:sSubPr>
                                   <m:e>
                                     <m:r>
-                                      <a:rPr lang="en-US" altLang="ko-KR" i="1">
+                                      <a:rPr lang="en-US" altLang="ko-KR" sz="2400" i="1">
                                         <a:latin typeface="Cambria Math" panose="02040503050406030204" pitchFamily="18" charset="0"/>
                                       </a:rPr>
                                       <m:t>𝑆</m:t>
@@ -19708,7 +19730,7 @@
                                   </m:e>
                                   <m:sub>
                                     <m:r>
-                                      <a:rPr lang="en-US" altLang="ko-KR" i="1">
+                                      <a:rPr lang="en-US" altLang="ko-KR" sz="2400" i="1">
                                         <a:latin typeface="Cambria Math" panose="02040503050406030204" pitchFamily="18" charset="0"/>
                                       </a:rPr>
                                       <m:t>𝑥𝑥</m:t>
@@ -19723,11 +19745,14 @@
                     </m:d>
                   </m:oMath>
                 </a14:m>
-                <a:endParaRPr lang="en-US" altLang="ko-KR" dirty="0" smtClean="0"/>
+                <a:endParaRPr lang="en-US" altLang="ko-KR" sz="2400" dirty="0" smtClean="0"/>
               </a:p>
               <a:p>
-                <a:r>
-                  <a:rPr lang="ko-KR" altLang="en-US" dirty="0" smtClean="0"/>
+                <a:endParaRPr lang="en-US" altLang="ko-KR" sz="2400" smtClean="0"/>
+              </a:p>
+              <a:p>
+                <a:r>
+                  <a:rPr lang="ko-KR" altLang="en-US" sz="2400" smtClean="0"/>
                   <a:t>여기서 </a:t>
                 </a:r>
                 <a14:m>
@@ -19735,14 +19760,14 @@
                     <m:sSub>
                       <m:sSubPr>
                         <m:ctrlPr>
-                          <a:rPr lang="en-US" altLang="ko-KR" i="1">
+                          <a:rPr lang="en-US" altLang="ko-KR" sz="2400" i="1">
                             <a:latin typeface="Cambria Math" panose="02040503050406030204" pitchFamily="18" charset="0"/>
                           </a:rPr>
                         </m:ctrlPr>
                       </m:sSubPr>
                       <m:e>
                         <m:r>
-                          <a:rPr lang="en-US" altLang="ko-KR" i="1">
+                          <a:rPr lang="en-US" altLang="ko-KR" sz="2400" i="1">
                             <a:latin typeface="Cambria Math" panose="02040503050406030204" pitchFamily="18" charset="0"/>
                           </a:rPr>
                           <m:t>𝑡</m:t>
@@ -19753,14 +19778,14 @@
                           <m:fPr>
                             <m:type m:val="lin"/>
                             <m:ctrlPr>
-                              <a:rPr lang="en-US" altLang="ko-KR" i="1">
+                              <a:rPr lang="en-US" altLang="ko-KR" sz="2400" i="1">
                                 <a:latin typeface="Cambria Math" panose="02040503050406030204" pitchFamily="18" charset="0"/>
                               </a:rPr>
                             </m:ctrlPr>
                           </m:fPr>
                           <m:num>
                             <m:r>
-                              <a:rPr lang="en-US" altLang="ko-KR" i="1">
+                              <a:rPr lang="en-US" altLang="ko-KR" sz="2400" i="1">
                                 <a:latin typeface="Cambria Math" panose="02040503050406030204" pitchFamily="18" charset="0"/>
                               </a:rPr>
                               <m:t>𝛼</m:t>
@@ -19768,7 +19793,7 @@
                           </m:num>
                           <m:den>
                             <m:r>
-                              <a:rPr lang="en-US" altLang="ko-KR" i="1">
+                              <a:rPr lang="en-US" altLang="ko-KR" sz="2400" i="1">
                                 <a:latin typeface="Cambria Math" panose="02040503050406030204" pitchFamily="18" charset="0"/>
                               </a:rPr>
                               <m:t>2</m:t>
@@ -19780,19 +19805,19 @@
                   </m:oMath>
                 </a14:m>
                 <a:r>
-                  <a:rPr lang="ko-KR" altLang="en-US" dirty="0" smtClean="0"/>
+                  <a:rPr lang="ko-KR" altLang="en-US" sz="2400" dirty="0" smtClean="0"/>
                   <a:t>는 자유도가 </a:t>
                 </a:r>
                 <a14:m>
                   <m:oMath xmlns:m="http://schemas.openxmlformats.org/officeDocument/2006/math">
                     <m:r>
-                      <a:rPr lang="en-US" altLang="ko-KR" b="0" i="1" smtClean="0">
+                      <a:rPr lang="en-US" altLang="ko-KR" sz="2400" b="0" i="1" smtClean="0">
                         <a:latin typeface="Cambria Math" panose="02040503050406030204" pitchFamily="18" charset="0"/>
                       </a:rPr>
                       <m:t>𝑛</m:t>
                     </m:r>
                     <m:r>
-                      <a:rPr lang="en-US" altLang="ko-KR" b="0" i="1" smtClean="0">
+                      <a:rPr lang="en-US" altLang="ko-KR" sz="2400" b="0" i="1" smtClean="0">
                         <a:latin typeface="Cambria Math" panose="02040503050406030204" pitchFamily="18" charset="0"/>
                       </a:rPr>
                       <m:t>−2</m:t>
@@ -19800,19 +19825,19 @@
                   </m:oMath>
                 </a14:m>
                 <a:r>
-                  <a:rPr lang="ko-KR" altLang="en-US" dirty="0" smtClean="0"/>
+                  <a:rPr lang="ko-KR" altLang="en-US" sz="2400" dirty="0" smtClean="0"/>
                   <a:t>인 </a:t>
                 </a:r>
                 <a14:m>
                   <m:oMath xmlns:m="http://schemas.openxmlformats.org/officeDocument/2006/math">
                     <m:r>
-                      <a:rPr lang="en-US" altLang="ko-KR" b="0" i="1" smtClean="0">
+                      <a:rPr lang="en-US" altLang="ko-KR" sz="2400" b="0" i="1" smtClean="0">
                         <a:latin typeface="Cambria Math" panose="02040503050406030204" pitchFamily="18" charset="0"/>
                       </a:rPr>
                       <m:t>𝑡</m:t>
                     </m:r>
                     <m:r>
-                      <a:rPr lang="ko-KR" altLang="en-US" i="1">
+                      <a:rPr lang="ko-KR" altLang="en-US" sz="2400" i="1">
                         <a:latin typeface="Cambria Math" panose="02040503050406030204" pitchFamily="18" charset="0"/>
                       </a:rPr>
                       <m:t>분</m:t>
@@ -19820,7 +19845,7 @@
                   </m:oMath>
                 </a14:m>
                 <a:r>
-                  <a:rPr lang="ko-KR" altLang="en-US" dirty="0" smtClean="0"/>
+                  <a:rPr lang="ko-KR" altLang="en-US" sz="2400" dirty="0" smtClean="0"/>
                   <a:t>포에서 상위 </a:t>
                 </a:r>
                 <a14:m>
@@ -19829,14 +19854,14 @@
                       <m:fPr>
                         <m:type m:val="lin"/>
                         <m:ctrlPr>
-                          <a:rPr lang="en-US" altLang="ko-KR" i="1">
+                          <a:rPr lang="en-US" altLang="ko-KR" sz="2400" i="1">
                             <a:latin typeface="Cambria Math" panose="02040503050406030204" pitchFamily="18" charset="0"/>
                           </a:rPr>
                         </m:ctrlPr>
                       </m:fPr>
                       <m:num>
                         <m:r>
-                          <a:rPr lang="en-US" altLang="ko-KR" i="1">
+                          <a:rPr lang="en-US" altLang="ko-KR" sz="2400" i="1">
                             <a:latin typeface="Cambria Math" panose="02040503050406030204" pitchFamily="18" charset="0"/>
                           </a:rPr>
                           <m:t>𝛼</m:t>
@@ -19844,7 +19869,7 @@
                       </m:num>
                       <m:den>
                         <m:r>
-                          <a:rPr lang="en-US" altLang="ko-KR" i="1">
+                          <a:rPr lang="en-US" altLang="ko-KR" sz="2400" i="1">
                             <a:latin typeface="Cambria Math" panose="02040503050406030204" pitchFamily="18" charset="0"/>
                           </a:rPr>
                           <m:t>2</m:t>
@@ -19854,18 +19879,18 @@
                   </m:oMath>
                 </a14:m>
                 <a:r>
-                  <a:rPr lang="ko-KR" altLang="en-US" dirty="0" smtClean="0"/>
+                  <a:rPr lang="ko-KR" altLang="en-US" sz="2400" dirty="0" smtClean="0"/>
                   <a:t>인 점을 의미한다</a:t>
                 </a:r>
                 <a:r>
-                  <a:rPr lang="en-US" altLang="ko-KR" dirty="0" smtClean="0"/>
+                  <a:rPr lang="en-US" altLang="ko-KR" sz="2400" dirty="0" smtClean="0"/>
                   <a:t>.</a:t>
                 </a:r>
               </a:p>
             </p:txBody>
           </p:sp>
         </mc:Choice>
-        <mc:Fallback xmlns="">
+        <mc:Fallback>
           <p:sp>
             <p:nvSpPr>
               <p:cNvPr id="3" name="내용 개체 틀 2"/>
@@ -19880,7 +19905,7 @@
               <a:blipFill rotWithShape="0">
                 <a:blip r:embed="rId3"/>
                 <a:stretch>
-                  <a:fillRect l="-1043" t="-2381" b="-1261"/>
+                  <a:fillRect l="-812" t="-1821" b="-18487"/>
                 </a:stretch>
               </a:blipFill>
             </p:spPr>
@@ -31280,7 +31305,12 @@
             <p:ph type="title"/>
           </p:nvPr>
         </p:nvSpPr>
-        <p:spPr/>
+        <p:spPr>
+          <a:xfrm>
+            <a:off x="838200" y="365126"/>
+            <a:ext cx="10515600" cy="1010594"/>
+          </a:xfrm>
+        </p:spPr>
         <p:txBody>
           <a:bodyPr/>
           <a:lstStyle/>
@@ -31293,8 +31323,8 @@
           </a:p>
         </p:txBody>
       </p:sp>
-      <mc:AlternateContent xmlns:mc="http://schemas.openxmlformats.org/markup-compatibility/2006" xmlns:a14="http://schemas.microsoft.com/office/drawing/2010/main">
-        <mc:Choice Requires="a14">
+      <mc:AlternateContent xmlns:mc="http://schemas.openxmlformats.org/markup-compatibility/2006">
+        <mc:Choice xmlns:a14="http://schemas.microsoft.com/office/drawing/2010/main" Requires="a14">
           <p:sp>
             <p:nvSpPr>
               <p:cNvPr id="6" name="내용 개체 틀 5"/>
@@ -31307,65 +31337,65 @@
             </p:nvSpPr>
             <p:spPr>
               <a:xfrm>
-                <a:off x="838200" y="1825625"/>
-                <a:ext cx="7011074" cy="4351338"/>
+                <a:off x="838200" y="1589904"/>
+                <a:ext cx="6676516" cy="4613188"/>
               </a:xfrm>
             </p:spPr>
             <p:txBody>
               <a:bodyPr>
-                <a:normAutofit lnSpcReduction="10000"/>
+                <a:normAutofit/>
               </a:bodyPr>
               <a:lstStyle/>
               <a:p>
                 <a:r>
-                  <a:rPr lang="ko-KR" altLang="en-US" dirty="0" smtClean="0"/>
+                  <a:rPr lang="ko-KR" altLang="en-US" sz="2400" dirty="0" smtClean="0"/>
                   <a:t>만약 </a:t>
                 </a:r>
                 <a:r>
-                  <a:rPr lang="en-US" altLang="ko-KR" dirty="0" smtClean="0"/>
+                  <a:rPr lang="en-US" altLang="ko-KR" sz="2400" dirty="0" smtClean="0"/>
                   <a:t>x</a:t>
                 </a:r>
                 <a:r>
-                  <a:rPr lang="ko-KR" altLang="en-US" dirty="0" smtClean="0"/>
+                  <a:rPr lang="ko-KR" altLang="en-US" sz="2400" dirty="0" smtClean="0"/>
                   <a:t>와 </a:t>
                 </a:r>
                 <a:r>
-                  <a:rPr lang="en-US" altLang="ko-KR" dirty="0" smtClean="0"/>
+                  <a:rPr lang="en-US" altLang="ko-KR" sz="2400" dirty="0" smtClean="0"/>
                   <a:t>y</a:t>
                 </a:r>
                 <a:r>
-                  <a:rPr lang="ko-KR" altLang="en-US" dirty="0"/>
+                  <a:rPr lang="ko-KR" altLang="en-US" sz="2400" dirty="0"/>
                   <a:t> </a:t>
                 </a:r>
                 <a:r>
-                  <a:rPr lang="ko-KR" altLang="en-US" dirty="0" smtClean="0"/>
+                  <a:rPr lang="ko-KR" altLang="en-US" sz="2400" dirty="0" smtClean="0"/>
                   <a:t>사이에 정확하게 직선관계가 있다면</a:t>
                 </a:r>
                 <a:r>
-                  <a:rPr lang="en-US" altLang="ko-KR" dirty="0" smtClean="0"/>
+                  <a:rPr lang="en-US" altLang="ko-KR" sz="2400" dirty="0" smtClean="0"/>
                   <a:t>, </a:t>
                 </a:r>
                 <a:r>
-                  <a:rPr lang="ko-KR" altLang="en-US" dirty="0" smtClean="0"/>
+                  <a:rPr lang="ko-KR" altLang="en-US" sz="2400" dirty="0" smtClean="0"/>
                   <a:t>두 변수는 다음과 같이 나타남</a:t>
                 </a:r>
                 <a:r>
-                  <a:rPr lang="en-US" altLang="ko-KR" dirty="0" smtClean="0"/>
+                  <a:rPr lang="en-US" altLang="ko-KR" sz="2400" dirty="0" smtClean="0"/>
                   <a:t>:</a:t>
                 </a:r>
                 <a:br>
-                  <a:rPr lang="en-US" altLang="ko-KR" dirty="0" smtClean="0"/>
+                  <a:rPr lang="en-US" altLang="ko-KR" sz="2400" dirty="0" smtClean="0"/>
                 </a:br>
                 <a14:m>
                   <m:oMath xmlns:m="http://schemas.openxmlformats.org/officeDocument/2006/math">
                     <m:r>
-                      <a:rPr lang="en-US" altLang="ko-KR" b="0" i="1" smtClean="0">
+                      <a:rPr lang="en-US" altLang="ko-KR" sz="2400" b="0" i="1" smtClean="0">
                         <a:latin typeface="Cambria Math" panose="02040503050406030204" pitchFamily="18" charset="0"/>
                       </a:rPr>
                       <m:t>𝑦</m:t>
                     </m:r>
                     <m:r>
-                      <a:rPr lang="en-US" altLang="ko-KR" b="0" i="1" smtClean="0">
+                      <a:rPr lang="en-US" altLang="ko-KR" sz="2400" b="0" i="1" smtClean="0">
                         <a:latin typeface="Cambria Math" panose="02040503050406030204" pitchFamily="18" charset="0"/>
                       </a:rPr>
                       <m:t>=</m:t>
@@ -31373,14 +31403,14 @@
                     <m:sSub>
                       <m:sSubPr>
                         <m:ctrlPr>
-                          <a:rPr lang="en-US" altLang="ko-KR" b="0" i="1" smtClean="0">
+                          <a:rPr lang="en-US" altLang="ko-KR" sz="2400" b="0" i="1" smtClean="0">
                             <a:latin typeface="Cambria Math" panose="02040503050406030204" pitchFamily="18" charset="0"/>
                           </a:rPr>
                         </m:ctrlPr>
                       </m:sSubPr>
                       <m:e>
                         <m:r>
-                          <a:rPr lang="en-US" altLang="ko-KR" b="0" i="1" smtClean="0">
+                          <a:rPr lang="en-US" altLang="ko-KR" sz="2400" b="0" i="1" smtClean="0">
                             <a:latin typeface="Cambria Math" panose="02040503050406030204" pitchFamily="18" charset="0"/>
                           </a:rPr>
                           <m:t>𝛽</m:t>
@@ -31388,7 +31418,7 @@
                       </m:e>
                       <m:sub>
                         <m:r>
-                          <a:rPr lang="en-US" altLang="ko-KR" b="0" i="1" smtClean="0">
+                          <a:rPr lang="en-US" altLang="ko-KR" sz="2400" b="0" i="1" smtClean="0">
                             <a:latin typeface="Cambria Math" panose="02040503050406030204" pitchFamily="18" charset="0"/>
                           </a:rPr>
                           <m:t>0</m:t>
@@ -31396,7 +31426,7 @@
                       </m:sub>
                     </m:sSub>
                     <m:r>
-                      <a:rPr lang="en-US" altLang="ko-KR" b="0" i="1" smtClean="0">
+                      <a:rPr lang="en-US" altLang="ko-KR" sz="2400" b="0" i="1" smtClean="0">
                         <a:latin typeface="Cambria Math" panose="02040503050406030204" pitchFamily="18" charset="0"/>
                       </a:rPr>
                       <m:t>+</m:t>
@@ -31404,14 +31434,14 @@
                     <m:sSub>
                       <m:sSubPr>
                         <m:ctrlPr>
-                          <a:rPr lang="en-US" altLang="ko-KR" b="0" i="1" smtClean="0">
+                          <a:rPr lang="en-US" altLang="ko-KR" sz="2400" b="0" i="1" smtClean="0">
                             <a:latin typeface="Cambria Math" panose="02040503050406030204" pitchFamily="18" charset="0"/>
                           </a:rPr>
                         </m:ctrlPr>
                       </m:sSubPr>
                       <m:e>
                         <m:r>
-                          <a:rPr lang="en-US" altLang="ko-KR" b="0" i="1" smtClean="0">
+                          <a:rPr lang="en-US" altLang="ko-KR" sz="2400" b="0" i="1" smtClean="0">
                             <a:latin typeface="Cambria Math" panose="02040503050406030204" pitchFamily="18" charset="0"/>
                           </a:rPr>
                           <m:t>𝛽</m:t>
@@ -31419,7 +31449,7 @@
                       </m:e>
                       <m:sub>
                         <m:r>
-                          <a:rPr lang="en-US" altLang="ko-KR" b="0" i="1" smtClean="0">
+                          <a:rPr lang="en-US" altLang="ko-KR" sz="2400" b="0" i="1" smtClean="0">
                             <a:latin typeface="Cambria Math" panose="02040503050406030204" pitchFamily="18" charset="0"/>
                           </a:rPr>
                           <m:t>1</m:t>
@@ -31427,60 +31457,60 @@
                       </m:sub>
                     </m:sSub>
                     <m:r>
-                      <a:rPr lang="en-US" altLang="ko-KR" b="0" i="1" smtClean="0">
+                      <a:rPr lang="en-US" altLang="ko-KR" sz="2400" b="0" i="1" smtClean="0">
                         <a:latin typeface="Cambria Math" panose="02040503050406030204" pitchFamily="18" charset="0"/>
                       </a:rPr>
                       <m:t>𝑥</m:t>
                     </m:r>
                   </m:oMath>
                 </a14:m>
-                <a:endParaRPr lang="en-US" altLang="ko-KR" dirty="0" smtClean="0"/>
+                <a:endParaRPr lang="en-US" altLang="ko-KR" sz="2400" dirty="0" smtClean="0"/>
               </a:p>
               <a:p>
-                <a:endParaRPr lang="en-US" altLang="ko-KR" dirty="0" smtClean="0"/>
+                <a:endParaRPr lang="en-US" altLang="ko-KR" sz="2400" dirty="0" smtClean="0"/>
               </a:p>
               <a:p>
                 <a:r>
-                  <a:rPr lang="ko-KR" altLang="en-US" dirty="0" err="1" smtClean="0"/>
+                  <a:rPr lang="ko-KR" altLang="en-US" sz="2400" dirty="0" err="1" smtClean="0"/>
                   <a:t>산점도의</a:t>
                 </a:r>
                 <a:r>
-                  <a:rPr lang="ko-KR" altLang="en-US" dirty="0" smtClean="0"/>
+                  <a:rPr lang="ko-KR" altLang="en-US" sz="2400" dirty="0" smtClean="0"/>
                   <a:t> 점들이 정확히 직선이 아닌 경우 변수 사이의 관계를 연구하기 위해 통계적 개념 도입</a:t>
                 </a:r>
-                <a:endParaRPr lang="en-US" altLang="ko-KR" dirty="0" smtClean="0"/>
+                <a:endParaRPr lang="en-US" altLang="ko-KR" sz="2400" dirty="0" smtClean="0"/>
               </a:p>
               <a:p>
-                <a:endParaRPr lang="en-US" altLang="ko-KR" dirty="0" smtClean="0"/>
+                <a:endParaRPr lang="en-US" altLang="ko-KR" sz="2400" dirty="0" smtClean="0"/>
               </a:p>
               <a:p>
                 <a:r>
-                  <a:rPr lang="ko-KR" altLang="en-US" dirty="0" err="1" smtClean="0"/>
+                  <a:rPr lang="ko-KR" altLang="en-US" sz="2400" dirty="0" err="1" smtClean="0"/>
                   <a:t>무작위성이나</a:t>
                 </a:r>
                 <a:r>
-                  <a:rPr lang="ko-KR" altLang="en-US" dirty="0" smtClean="0"/>
+                  <a:rPr lang="ko-KR" altLang="en-US" sz="2400" dirty="0" smtClean="0"/>
                   <a:t> 실험적 오류를 내포하는 선형관계에 있는 변수들의 </a:t>
                 </a:r>
                 <a:r>
-                  <a:rPr lang="ko-KR" altLang="en-US" dirty="0" err="1" smtClean="0"/>
+                  <a:rPr lang="ko-KR" altLang="en-US" sz="2400" dirty="0" err="1" smtClean="0"/>
                   <a:t>관측값으로</a:t>
                 </a:r>
                 <a:r>
-                  <a:rPr lang="ko-KR" altLang="en-US" dirty="0" smtClean="0"/>
+                  <a:rPr lang="ko-KR" altLang="en-US" sz="2400" dirty="0" smtClean="0"/>
                   <a:t> 간주</a:t>
                 </a:r>
               </a:p>
               <a:p>
-                <a:endParaRPr lang="en-US" altLang="ko-KR" dirty="0" smtClean="0"/>
+                <a:endParaRPr lang="en-US" altLang="ko-KR" sz="2400" dirty="0" smtClean="0"/>
               </a:p>
               <a:p>
-                <a:endParaRPr lang="ko-KR" altLang="en-US" dirty="0"/>
+                <a:endParaRPr lang="ko-KR" altLang="en-US" sz="2400" dirty="0"/>
               </a:p>
             </p:txBody>
           </p:sp>
         </mc:Choice>
-        <mc:Fallback xmlns="">
+        <mc:Fallback>
           <p:sp>
             <p:nvSpPr>
               <p:cNvPr id="6" name="내용 개체 틀 5"/>
@@ -31493,13 +31523,13 @@
             </p:nvSpPr>
             <p:spPr>
               <a:xfrm>
-                <a:off x="838200" y="1825625"/>
-                <a:ext cx="7011074" cy="4351338"/>
+                <a:off x="838200" y="1589904"/>
+                <a:ext cx="6676516" cy="4613188"/>
               </a:xfrm>
               <a:blipFill rotWithShape="0">
                 <a:blip r:embed="rId2"/>
                 <a:stretch>
-                  <a:fillRect l="-1565" t="-3361" r="-1043"/>
+                  <a:fillRect l="-1279" t="-1849" r="-822"/>
                 </a:stretch>
               </a:blipFill>
             </p:spPr>
@@ -31520,28 +31550,33 @@
       </mc:AlternateContent>
       <p:pic>
         <p:nvPicPr>
-          <p:cNvPr id="9" name="내용 개체 틀 8"/>
+          <p:cNvPr id="7" name="Picture 4"/>
           <p:cNvPicPr>
-            <a:picLocks noGrp="1" noChangeAspect="1"/>
+            <a:picLocks noGrp="1" noChangeAspect="1" noChangeArrowheads="1"/>
           </p:cNvPicPr>
           <p:nvPr>
             <p:ph sz="half" idx="2"/>
           </p:nvPr>
         </p:nvPicPr>
         <p:blipFill>
-          <a:blip r:embed="rId3"/>
+          <a:blip r:embed="rId3">
+            <a:extLst>
+              <a:ext uri="{28A0092B-C50C-407E-A947-70E740481C1C}">
+                <a14:useLocalDpi xmlns:a14="http://schemas.microsoft.com/office/drawing/2010/main" val="0"/>
+              </a:ext>
+            </a:extLst>
+          </a:blip>
+          <a:srcRect/>
           <a:stretch>
             <a:fillRect/>
           </a:stretch>
         </p:blipFill>
         <p:spPr>
           <a:xfrm>
-            <a:off x="7646431" y="3018312"/>
-            <a:ext cx="3139446" cy="1965964"/>
+            <a:off x="7514716" y="2402371"/>
+            <a:ext cx="4218025" cy="2589759"/>
           </a:xfrm>
-          <a:prstGeom prst="rect">
-            <a:avLst/>
-          </a:prstGeom>
+          <a:ln/>
         </p:spPr>
       </p:pic>
     </p:spTree>
